--- a/seb_project/results/presentation.pptx
+++ b/seb_project/results/presentation.pptx
@@ -7,12 +7,10 @@
   <p:sldIdLst>
     <p:sldId id="256" r:id="rId2"/>
     <p:sldId id="258" r:id="rId3"/>
-    <p:sldId id="260" r:id="rId4"/>
-    <p:sldId id="261" r:id="rId5"/>
-    <p:sldId id="259" r:id="rId6"/>
-    <p:sldId id="262" r:id="rId7"/>
-    <p:sldId id="263" r:id="rId8"/>
-    <p:sldId id="264" r:id="rId9"/>
+    <p:sldId id="259" r:id="rId4"/>
+    <p:sldId id="262" r:id="rId5"/>
+    <p:sldId id="263" r:id="rId6"/>
+    <p:sldId id="264" r:id="rId7"/>
   </p:sldIdLst>
   <p:sldSz cx="12192000" cy="6858000"/>
   <p:notesSz cx="6858000" cy="9144000"/>
@@ -3099,7 +3097,11 @@
           <a:p>
             <a:r>
               <a:rPr lang="en-US" dirty="0"/>
-              <a:t>Set up your environment</a:t>
+              <a:t>Set up </a:t>
+            </a:r>
+            <a:r>
+              <a:rPr lang="en-US" dirty="0" smtClean="0"/>
+              <a:t>environment &amp; Structure of my project</a:t>
             </a:r>
             <a:endParaRPr lang="en-US" dirty="0"/>
           </a:p>
@@ -3115,57 +3117,256 @@
             <p:ph idx="1"/>
           </p:nvPr>
         </p:nvSpPr>
-        <p:spPr/>
+        <p:spPr>
+          <a:xfrm>
+            <a:off x="838200" y="1825626"/>
+            <a:ext cx="7321731" cy="2580912"/>
+          </a:xfrm>
+        </p:spPr>
         <p:txBody>
           <a:bodyPr>
-            <a:normAutofit/>
+            <a:normAutofit fontScale="77500" lnSpcReduction="20000"/>
           </a:bodyPr>
           <a:lstStyle/>
           <a:p>
             <a:r>
+              <a:rPr lang="en-US" dirty="0" smtClean="0"/>
+              <a:t>Create </a:t>
+            </a:r>
+            <a:r>
               <a:rPr lang="en-US" dirty="0"/>
-              <a:t>Check Python </a:t>
-            </a:r>
+              <a:t>a </a:t>
+            </a:r>
+            <a:r>
+              <a:rPr lang="en-US" dirty="0" err="1"/>
+              <a:t>Git</a:t>
+            </a:r>
+            <a:r>
+              <a:rPr lang="en-US" dirty="0"/>
+              <a:t> Repository</a:t>
+            </a:r>
+          </a:p>
+          <a:p>
             <a:r>
               <a:rPr lang="en-US" dirty="0" smtClean="0"/>
-              <a:t>installation</a:t>
-            </a:r>
-            <a:endParaRPr lang="en-US" dirty="0"/>
-          </a:p>
-          <a:p>
+              <a:t>Build </a:t>
+            </a:r>
             <a:r>
               <a:rPr lang="en-US" dirty="0"/>
-              <a:t>python -V</a:t>
-            </a:r>
-          </a:p>
-          <a:p>
+              <a:t>a Project folder structure</a:t>
+            </a:r>
+          </a:p>
+          <a:p>
+            <a:r>
+              <a:rPr lang="en-US" dirty="0" smtClean="0"/>
+              <a:t>Create </a:t>
+            </a:r>
             <a:r>
               <a:rPr lang="en-US" dirty="0"/>
-              <a:t>Check pip </a:t>
-            </a:r>
+              <a:t>a Virtual Environment</a:t>
+            </a:r>
+          </a:p>
+          <a:p>
+            <a:r>
+              <a:rPr lang="en-US" dirty="0"/>
+              <a:t>Notebooks</a:t>
+            </a:r>
+          </a:p>
+          <a:p>
             <a:r>
               <a:rPr lang="en-US" dirty="0" smtClean="0"/>
-              <a:t>installation</a:t>
-            </a:r>
-            <a:endParaRPr lang="en-US" dirty="0"/>
-          </a:p>
-          <a:p>
+              <a:t>Poetry:</a:t>
+            </a:r>
+          </a:p>
+          <a:p>
+            <a:pPr lvl="1"/>
+            <a:r>
+              <a:rPr lang="en-US" dirty="0" smtClean="0"/>
+              <a:t>Install </a:t>
+            </a:r>
+            <a:r>
+              <a:rPr lang="en-US" dirty="0" err="1" smtClean="0"/>
+              <a:t>virtualenv</a:t>
+            </a:r>
+            <a:endParaRPr lang="en-US" dirty="0" smtClean="0"/>
+          </a:p>
+          <a:p>
+            <a:pPr lvl="1"/>
             <a:r>
               <a:rPr lang="en-US" dirty="0"/>
               <a:t>Install </a:t>
             </a:r>
             <a:r>
-              <a:rPr lang="en-US" dirty="0" err="1" smtClean="0"/>
-              <a:t>virtualenv</a:t>
-            </a:r>
+              <a:rPr lang="en-US" dirty="0" smtClean="0"/>
+              <a:t>frameworks: python packages</a:t>
+            </a:r>
+          </a:p>
+          <a:p>
+            <a:pPr marL="457200" lvl="1" indent="0">
+              <a:buNone/>
+            </a:pPr>
+            <a:r>
+              <a:rPr lang="sv-SE" i="1" dirty="0" smtClean="0"/>
+              <a:t>source:</a:t>
+            </a:r>
+            <a:r>
+              <a:rPr lang="sv-SE" dirty="0" smtClean="0"/>
+              <a:t> </a:t>
+            </a:r>
+            <a:r>
+              <a:rPr lang="en-US" dirty="0" smtClean="0">
+                <a:hlinkClick r:id="rId2"/>
+              </a:rPr>
+              <a:t>https</a:t>
+            </a:r>
+            <a:r>
+              <a:rPr lang="en-US" dirty="0">
+                <a:hlinkClick r:id="rId2"/>
+              </a:rPr>
+              <a:t>://python-poetry.org</a:t>
+            </a:r>
+            <a:r>
+              <a:rPr lang="en-US" dirty="0" smtClean="0">
+                <a:hlinkClick r:id="rId2"/>
+              </a:rPr>
+              <a:t>/</a:t>
+            </a:r>
+            <a:endParaRPr lang="en-US" dirty="0"/>
+          </a:p>
+          <a:p>
+            <a:pPr marL="457200" lvl="1" indent="0">
+              <a:buNone/>
+            </a:pPr>
+            <a:endParaRPr lang="sv-SE" dirty="0" smtClean="0"/>
+          </a:p>
+          <a:p>
+            <a:pPr marL="457200" lvl="1" indent="0">
+              <a:buNone/>
+            </a:pPr>
+            <a:endParaRPr lang="sv-SE" dirty="0" smtClean="0"/>
+          </a:p>
+          <a:p>
+            <a:pPr marL="457200" lvl="1" indent="0">
+              <a:buNone/>
+            </a:pPr>
+            <a:endParaRPr lang="en-US" dirty="0"/>
+          </a:p>
+          <a:p>
+            <a:pPr lvl="1"/>
             <a:endParaRPr lang="en-US" dirty="0" smtClean="0"/>
           </a:p>
-          <a:p>
-            <a:r>
-              <a:rPr lang="en-US" dirty="0"/>
-              <a:t>Install frameworks</a:t>
+        </p:txBody>
+      </p:sp>
+      <p:pic>
+        <p:nvPicPr>
+          <p:cNvPr id="4" name="Picture 3"/>
+          <p:cNvPicPr>
+            <a:picLocks noChangeAspect="1"/>
+          </p:cNvPicPr>
+          <p:nvPr/>
+        </p:nvPicPr>
+        <p:blipFill>
+          <a:blip r:embed="rId3"/>
+          <a:stretch>
+            <a:fillRect/>
+          </a:stretch>
+        </p:blipFill>
+        <p:spPr>
+          <a:xfrm>
+            <a:off x="7369504" y="1775785"/>
+            <a:ext cx="2033700" cy="4805894"/>
+          </a:xfrm>
+          <a:prstGeom prst="rect">
+            <a:avLst/>
+          </a:prstGeom>
+        </p:spPr>
+      </p:pic>
+      <p:sp>
+        <p:nvSpPr>
+          <p:cNvPr id="5" name="TextBox 4"/>
+          <p:cNvSpPr txBox="1"/>
+          <p:nvPr/>
+        </p:nvSpPr>
+        <p:spPr>
+          <a:xfrm>
+            <a:off x="7219406" y="1418737"/>
+            <a:ext cx="2333896" cy="369332"/>
+          </a:xfrm>
+          <a:prstGeom prst="rect">
+            <a:avLst/>
+          </a:prstGeom>
+          <a:noFill/>
+        </p:spPr>
+        <p:txBody>
+          <a:bodyPr wrap="square" rtlCol="0">
+            <a:spAutoFit/>
+          </a:bodyPr>
+          <a:lstStyle/>
+          <a:p>
+            <a:r>
+              <a:rPr lang="en-US" b="1" dirty="0" smtClean="0"/>
+              <a:t>Project structure</a:t>
             </a:r>
             <a:endParaRPr lang="en-US" dirty="0"/>
+          </a:p>
+        </p:txBody>
+      </p:sp>
+      <p:sp>
+        <p:nvSpPr>
+          <p:cNvPr id="6" name="TextBox 5"/>
+          <p:cNvSpPr txBox="1"/>
+          <p:nvPr/>
+        </p:nvSpPr>
+        <p:spPr>
+          <a:xfrm>
+            <a:off x="838200" y="4541476"/>
+            <a:ext cx="6520543" cy="1384995"/>
+          </a:xfrm>
+          <a:prstGeom prst="rect">
+            <a:avLst/>
+          </a:prstGeom>
+          <a:noFill/>
+        </p:spPr>
+        <p:txBody>
+          <a:bodyPr wrap="square" rtlCol="0">
+            <a:spAutoFit/>
+          </a:bodyPr>
+          <a:lstStyle/>
+          <a:p>
+            <a:pPr marL="457200" indent="-457200">
+              <a:buFont typeface="Arial" panose="020B0604020202020204" pitchFamily="34" charset="0"/>
+              <a:buChar char="•"/>
+            </a:pPr>
+            <a:r>
+              <a:rPr lang="en-US" sz="2800" dirty="0"/>
+              <a:t>Reproduce the codes by running:</a:t>
+            </a:r>
+          </a:p>
+          <a:p>
+            <a:r>
+              <a:rPr lang="sv-SE" sz="2800" dirty="0"/>
+              <a:t>	`</a:t>
+            </a:r>
+            <a:r>
+              <a:rPr lang="sv-SE" sz="2800" dirty="0" err="1"/>
+              <a:t>poetry</a:t>
+            </a:r>
+            <a:r>
+              <a:rPr lang="sv-SE" sz="2800" dirty="0"/>
+              <a:t> </a:t>
+            </a:r>
+            <a:r>
+              <a:rPr lang="sv-SE" sz="2800" dirty="0" err="1"/>
+              <a:t>install</a:t>
+            </a:r>
+            <a:r>
+              <a:rPr lang="sv-SE" sz="2800" dirty="0"/>
+              <a:t>`</a:t>
+            </a:r>
+            <a:endParaRPr lang="en-US" sz="2800" dirty="0"/>
+          </a:p>
+          <a:p>
+            <a:endParaRPr lang="en-US" sz="2800" dirty="0"/>
           </a:p>
         </p:txBody>
       </p:sp>
@@ -3214,7 +3415,11 @@
           <a:bodyPr/>
           <a:lstStyle/>
           <a:p>
-            <a:endParaRPr lang="en-US"/>
+            <a:r>
+              <a:rPr lang="en-US" dirty="0"/>
+              <a:t>(A) Data exploration:</a:t>
+            </a:r>
+            <a:endParaRPr lang="en-US" dirty="0"/>
           </a:p>
         </p:txBody>
       </p:sp>
@@ -3228,368 +3433,101 @@
             <p:ph idx="1"/>
           </p:nvPr>
         </p:nvSpPr>
-        <p:spPr/>
-        <p:txBody>
-          <a:bodyPr>
-            <a:normAutofit fontScale="77500" lnSpcReduction="20000"/>
-          </a:bodyPr>
+        <p:spPr>
+          <a:xfrm>
+            <a:off x="838200" y="1825625"/>
+            <a:ext cx="10515600" cy="2067106"/>
+          </a:xfrm>
+        </p:spPr>
+        <p:txBody>
+          <a:bodyPr/>
           <a:lstStyle/>
           <a:p>
             <a:r>
               <a:rPr lang="en-US" dirty="0"/>
-              <a:t>Poetry is a robust dependency management system and makes it easy to make Python libraries accessible in </a:t>
-            </a:r>
-            <a:r>
-              <a:rPr lang="en-US" dirty="0" err="1"/>
-              <a:t>Jupyter</a:t>
-            </a:r>
+              <a:t>How many transactions did an average customer complete in the</a:t>
+            </a:r>
+          </a:p>
+          <a:p>
+            <a:pPr marL="0" indent="0">
+              <a:buNone/>
+            </a:pPr>
             <a:r>
               <a:rPr lang="en-US" dirty="0"/>
-              <a:t> notebooks.</a:t>
-            </a:r>
-            <a:endParaRPr lang="sv-SE" dirty="0" smtClean="0"/>
-          </a:p>
-          <a:p>
-            <a:r>
-              <a:rPr lang="sv-SE" dirty="0" err="1" smtClean="0"/>
-              <a:t>Install</a:t>
-            </a:r>
-            <a:r>
-              <a:rPr lang="sv-SE" dirty="0" smtClean="0"/>
-              <a:t> </a:t>
-            </a:r>
-            <a:r>
-              <a:rPr lang="sv-SE" dirty="0" err="1" smtClean="0"/>
-              <a:t>poetry</a:t>
-            </a:r>
-            <a:r>
-              <a:rPr lang="sv-SE" dirty="0" smtClean="0"/>
-              <a:t> for </a:t>
-            </a:r>
-            <a:r>
-              <a:rPr lang="sv-SE" dirty="0" err="1" smtClean="0"/>
-              <a:t>windows</a:t>
-            </a:r>
-            <a:endParaRPr lang="sv-SE" dirty="0" smtClean="0"/>
-          </a:p>
-          <a:p>
-            <a:r>
-              <a:rPr lang="sv-SE" dirty="0" err="1" smtClean="0"/>
-              <a:t>Create</a:t>
-            </a:r>
-            <a:r>
-              <a:rPr lang="sv-SE" dirty="0" smtClean="0"/>
-              <a:t> a </a:t>
-            </a:r>
-            <a:r>
-              <a:rPr lang="sv-SE" dirty="0" err="1" smtClean="0"/>
-              <a:t>project</a:t>
-            </a:r>
-            <a:r>
-              <a:rPr lang="sv-SE" dirty="0" smtClean="0"/>
-              <a:t> folder </a:t>
-            </a:r>
-            <a:r>
-              <a:rPr lang="sv-SE" dirty="0" err="1" smtClean="0"/>
-              <a:t>using</a:t>
-            </a:r>
-            <a:r>
-              <a:rPr lang="sv-SE" dirty="0" smtClean="0"/>
-              <a:t>: </a:t>
-            </a:r>
-            <a:r>
-              <a:rPr lang="sv-SE" dirty="0" err="1" smtClean="0"/>
-              <a:t>poetry</a:t>
-            </a:r>
-            <a:r>
-              <a:rPr lang="sv-SE" dirty="0" smtClean="0"/>
-              <a:t> new </a:t>
-            </a:r>
-            <a:r>
-              <a:rPr lang="sv-SE" dirty="0" err="1" smtClean="0"/>
-              <a:t>SEB_project</a:t>
-            </a:r>
-            <a:endParaRPr lang="sv-SE" dirty="0" smtClean="0"/>
-          </a:p>
-          <a:p>
-            <a:r>
-              <a:rPr lang="sv-SE" dirty="0" smtClean="0"/>
-              <a:t>By default a new </a:t>
-            </a:r>
-            <a:r>
-              <a:rPr lang="sv-SE" dirty="0" err="1" smtClean="0"/>
-              <a:t>poetry</a:t>
-            </a:r>
-            <a:r>
-              <a:rPr lang="sv-SE" dirty="0" smtClean="0"/>
-              <a:t> </a:t>
-            </a:r>
-            <a:r>
-              <a:rPr lang="sv-SE" dirty="0" err="1" smtClean="0"/>
-              <a:t>project</a:t>
-            </a:r>
-            <a:r>
-              <a:rPr lang="sv-SE" dirty="0" smtClean="0"/>
-              <a:t> </a:t>
-            </a:r>
-            <a:r>
-              <a:rPr lang="sv-SE" dirty="0" err="1" smtClean="0"/>
-              <a:t>doesn’t</a:t>
-            </a:r>
-            <a:r>
-              <a:rPr lang="sv-SE" dirty="0" smtClean="0"/>
-              <a:t> </a:t>
-            </a:r>
-            <a:r>
-              <a:rPr lang="sv-SE" dirty="0" err="1" smtClean="0"/>
-              <a:t>any</a:t>
-            </a:r>
-            <a:r>
-              <a:rPr lang="sv-SE" dirty="0" smtClean="0"/>
-              <a:t> </a:t>
-            </a:r>
-            <a:r>
-              <a:rPr lang="sv-SE" dirty="0" err="1" smtClean="0"/>
-              <a:t>venv</a:t>
-            </a:r>
-            <a:r>
-              <a:rPr lang="sv-SE" dirty="0" smtClean="0"/>
-              <a:t> </a:t>
-            </a:r>
-            <a:r>
-              <a:rPr lang="sv-SE" dirty="0" err="1" smtClean="0"/>
-              <a:t>associated</a:t>
-            </a:r>
-            <a:r>
-              <a:rPr lang="sv-SE" dirty="0" smtClean="0"/>
-              <a:t> </a:t>
-            </a:r>
-            <a:r>
-              <a:rPr lang="sv-SE" dirty="0" err="1" smtClean="0"/>
-              <a:t>with</a:t>
-            </a:r>
-            <a:r>
-              <a:rPr lang="sv-SE" dirty="0" smtClean="0"/>
-              <a:t> it. To do </a:t>
-            </a:r>
-            <a:r>
-              <a:rPr lang="sv-SE" dirty="0" err="1" smtClean="0"/>
-              <a:t>that</a:t>
-            </a:r>
-            <a:r>
-              <a:rPr lang="sv-SE" dirty="0" smtClean="0"/>
-              <a:t> </a:t>
-            </a:r>
-            <a:r>
-              <a:rPr lang="sv-SE" dirty="0" err="1" smtClean="0"/>
-              <a:t>we</a:t>
-            </a:r>
-            <a:r>
-              <a:rPr lang="sv-SE" dirty="0" smtClean="0"/>
-              <a:t> </a:t>
-            </a:r>
-            <a:r>
-              <a:rPr lang="sv-SE" dirty="0" err="1" smtClean="0"/>
-              <a:t>use</a:t>
-            </a:r>
-            <a:r>
-              <a:rPr lang="sv-SE" dirty="0" smtClean="0"/>
-              <a:t>:</a:t>
+              <a:t>period? </a:t>
+            </a:r>
+            <a:r>
+              <a:rPr lang="en-US" dirty="0" smtClean="0"/>
+              <a:t> (about 235 transactions)</a:t>
+            </a:r>
+          </a:p>
+          <a:p>
+            <a:r>
+              <a:rPr lang="en-US" dirty="0" smtClean="0"/>
+              <a:t>How </a:t>
+            </a:r>
+            <a:r>
+              <a:rPr lang="en-US" dirty="0"/>
+              <a:t>much did they spend? </a:t>
+            </a:r>
+            <a:r>
+              <a:rPr lang="en-US" dirty="0" smtClean="0"/>
+              <a:t>-spent 5924.15 amount/per transaction</a:t>
+            </a:r>
+          </a:p>
+          <a:p>
+            <a:r>
+              <a:rPr lang="en-US" dirty="0" smtClean="0"/>
+              <a:t>Does </a:t>
+            </a:r>
+            <a:r>
+              <a:rPr lang="en-US" dirty="0"/>
+              <a:t>it change over time</a:t>
+            </a:r>
+            <a:r>
+              <a:rPr lang="en-US" dirty="0" smtClean="0"/>
+              <a:t>?</a:t>
             </a:r>
           </a:p>
           <a:p>
             <a:pPr marL="0" indent="0">
               <a:buNone/>
             </a:pPr>
-            <a:r>
-              <a:rPr lang="sv-SE" dirty="0" err="1" smtClean="0"/>
-              <a:t>Poetry</a:t>
-            </a:r>
-            <a:r>
-              <a:rPr lang="sv-SE" dirty="0" smtClean="0"/>
-              <a:t> </a:t>
-            </a:r>
-            <a:r>
-              <a:rPr lang="sv-SE" dirty="0" err="1" smtClean="0"/>
-              <a:t>env</a:t>
-            </a:r>
-            <a:r>
-              <a:rPr lang="sv-SE" dirty="0" smtClean="0"/>
-              <a:t> </a:t>
-            </a:r>
-            <a:r>
-              <a:rPr lang="sv-SE" dirty="0" err="1" smtClean="0"/>
-              <a:t>use</a:t>
-            </a:r>
-            <a:r>
-              <a:rPr lang="sv-SE" dirty="0" smtClean="0"/>
-              <a:t> &lt;</a:t>
-            </a:r>
-            <a:r>
-              <a:rPr lang="sv-SE" dirty="0" err="1" smtClean="0"/>
-              <a:t>path</a:t>
-            </a:r>
-            <a:r>
-              <a:rPr lang="sv-SE" dirty="0" smtClean="0"/>
-              <a:t> </a:t>
-            </a:r>
-            <a:r>
-              <a:rPr lang="sv-SE" dirty="0" err="1" smtClean="0"/>
-              <a:t>of</a:t>
-            </a:r>
-            <a:r>
-              <a:rPr lang="sv-SE" dirty="0" smtClean="0"/>
-              <a:t> the python.exe </a:t>
-            </a:r>
-            <a:r>
-              <a:rPr lang="sv-SE" dirty="0" err="1" smtClean="0"/>
-              <a:t>file</a:t>
-            </a:r>
-            <a:r>
-              <a:rPr lang="sv-SE" dirty="0" smtClean="0"/>
-              <a:t>&gt;</a:t>
-            </a:r>
-          </a:p>
-          <a:p>
-            <a:r>
-              <a:rPr lang="sv-SE" dirty="0" err="1" smtClean="0"/>
-              <a:t>Poetry</a:t>
-            </a:r>
-            <a:r>
-              <a:rPr lang="sv-SE" dirty="0" smtClean="0"/>
-              <a:t> </a:t>
-            </a:r>
-            <a:r>
-              <a:rPr lang="sv-SE" dirty="0" err="1" smtClean="0"/>
-              <a:t>manage</a:t>
-            </a:r>
-            <a:r>
-              <a:rPr lang="sv-SE" dirty="0" smtClean="0"/>
-              <a:t> </a:t>
-            </a:r>
-            <a:r>
-              <a:rPr lang="sv-SE" dirty="0" err="1" smtClean="0"/>
-              <a:t>env</a:t>
-            </a:r>
-            <a:r>
-              <a:rPr lang="sv-SE" dirty="0" smtClean="0"/>
-              <a:t> for </a:t>
-            </a:r>
-            <a:r>
-              <a:rPr lang="sv-SE" dirty="0" err="1" smtClean="0"/>
-              <a:t>projects</a:t>
-            </a:r>
-            <a:r>
-              <a:rPr lang="sv-SE" dirty="0" smtClean="0"/>
-              <a:t>.</a:t>
-            </a:r>
-          </a:p>
-          <a:p>
-            <a:r>
-              <a:rPr lang="sv-SE" dirty="0" smtClean="0"/>
-              <a:t>-</a:t>
-            </a:r>
-            <a:r>
-              <a:rPr lang="sv-SE" dirty="0" err="1" smtClean="0"/>
-              <a:t>numpy</a:t>
-            </a:r>
-            <a:r>
-              <a:rPr lang="sv-SE" dirty="0" smtClean="0"/>
-              <a:t>, -pandas, </a:t>
-            </a:r>
-            <a:r>
-              <a:rPr lang="sv-SE" dirty="0" err="1" smtClean="0"/>
-              <a:t>scikit-learn</a:t>
-            </a:r>
-            <a:r>
-              <a:rPr lang="sv-SE" dirty="0" smtClean="0"/>
-              <a:t>, </a:t>
-            </a:r>
-            <a:r>
-              <a:rPr lang="sv-SE" dirty="0" err="1" smtClean="0"/>
-              <a:t>matplotlib</a:t>
-            </a:r>
-            <a:r>
-              <a:rPr lang="sv-SE" dirty="0" smtClean="0"/>
-              <a:t>, </a:t>
-            </a:r>
-            <a:r>
-              <a:rPr lang="sv-SE" dirty="0" err="1" smtClean="0"/>
-              <a:t>seaborn</a:t>
-            </a:r>
-            <a:endParaRPr lang="sv-SE" dirty="0" smtClean="0"/>
-          </a:p>
-          <a:p>
-            <a:r>
-              <a:rPr lang="en-US" dirty="0" smtClean="0"/>
-              <a:t>poetry </a:t>
-            </a:r>
-            <a:r>
-              <a:rPr lang="en-US" dirty="0" err="1" smtClean="0"/>
-              <a:t>env</a:t>
-            </a:r>
-            <a:r>
-              <a:rPr lang="en-US" dirty="0" smtClean="0"/>
-              <a:t> info –path</a:t>
-            </a:r>
-          </a:p>
-          <a:p>
-            <a:r>
-              <a:rPr lang="sv-SE" dirty="0" err="1" smtClean="0"/>
-              <a:t>Poetry</a:t>
-            </a:r>
-            <a:r>
-              <a:rPr lang="sv-SE" dirty="0" smtClean="0"/>
-              <a:t> </a:t>
-            </a:r>
-            <a:r>
-              <a:rPr lang="sv-SE" dirty="0" err="1" smtClean="0"/>
-              <a:t>install</a:t>
-            </a:r>
-            <a:endParaRPr lang="sv-SE" dirty="0" smtClean="0"/>
-          </a:p>
-          <a:p>
-            <a:r>
-              <a:rPr lang="sv-SE" dirty="0" err="1" smtClean="0"/>
-              <a:t>Poetry</a:t>
-            </a:r>
-            <a:r>
-              <a:rPr lang="sv-SE" dirty="0" smtClean="0"/>
-              <a:t> </a:t>
-            </a:r>
-            <a:r>
-              <a:rPr lang="sv-SE" dirty="0" err="1" smtClean="0"/>
-              <a:t>shell</a:t>
-            </a:r>
             <a:endParaRPr lang="en-US" dirty="0" smtClean="0"/>
           </a:p>
           <a:p>
-            <a:r>
-              <a:rPr lang="sv-SE" dirty="0" err="1" smtClean="0"/>
-              <a:t>Run</a:t>
-            </a:r>
-            <a:r>
-              <a:rPr lang="sv-SE" dirty="0" smtClean="0"/>
-              <a:t> </a:t>
-            </a:r>
-            <a:r>
-              <a:rPr lang="sv-SE" dirty="0" err="1" smtClean="0"/>
-              <a:t>jupyter</a:t>
-            </a:r>
-            <a:r>
-              <a:rPr lang="sv-SE" dirty="0" smtClean="0"/>
-              <a:t> notebook</a:t>
-            </a:r>
-          </a:p>
-          <a:p>
-            <a:endParaRPr lang="sv-SE" dirty="0" smtClean="0"/>
-          </a:p>
-        </p:txBody>
-      </p:sp>
+            <a:endParaRPr lang="en-US" dirty="0"/>
+          </a:p>
+        </p:txBody>
+      </p:sp>
+      <p:pic>
+        <p:nvPicPr>
+          <p:cNvPr id="4" name="Picture 3"/>
+          <p:cNvPicPr>
+            <a:picLocks noChangeAspect="1"/>
+          </p:cNvPicPr>
+          <p:nvPr/>
+        </p:nvPicPr>
+        <p:blipFill>
+          <a:blip r:embed="rId2"/>
+          <a:stretch>
+            <a:fillRect/>
+          </a:stretch>
+        </p:blipFill>
+        <p:spPr>
+          <a:xfrm>
+            <a:off x="2053915" y="3705498"/>
+            <a:ext cx="8676354" cy="3034938"/>
+          </a:xfrm>
+          <a:prstGeom prst="rect">
+            <a:avLst/>
+          </a:prstGeom>
+        </p:spPr>
+      </p:pic>
     </p:spTree>
     <p:extLst>
       <p:ext uri="{BB962C8B-B14F-4D97-AF65-F5344CB8AC3E}">
-        <p14:creationId xmlns:p14="http://schemas.microsoft.com/office/powerpoint/2010/main" val="1885980562"/>
+        <p14:creationId xmlns:p14="http://schemas.microsoft.com/office/powerpoint/2010/main" val="517968882"/>
       </p:ext>
     </p:extLst>
   </p:cSld>
@@ -3618,174 +3556,6 @@
       </p:grpSpPr>
       <p:sp>
         <p:nvSpPr>
-          <p:cNvPr id="2" name="Title 1"/>
-          <p:cNvSpPr>
-            <a:spLocks noGrp="1"/>
-          </p:cNvSpPr>
-          <p:nvPr>
-            <p:ph type="title"/>
-          </p:nvPr>
-        </p:nvSpPr>
-        <p:spPr/>
-        <p:txBody>
-          <a:bodyPr>
-            <a:normAutofit fontScale="90000"/>
-          </a:bodyPr>
-          <a:lstStyle/>
-          <a:p>
-            <a:r>
-              <a:rPr lang="en-US" b="1" dirty="0"/>
-              <a:t>Where do I start? How do I structure my project? What do I do with project results once I’m done?</a:t>
-            </a:r>
-            <a:endParaRPr lang="en-US" dirty="0"/>
-          </a:p>
-        </p:txBody>
-      </p:sp>
-      <p:sp>
-        <p:nvSpPr>
-          <p:cNvPr id="3" name="Content Placeholder 2"/>
-          <p:cNvSpPr>
-            <a:spLocks noGrp="1"/>
-          </p:cNvSpPr>
-          <p:nvPr>
-            <p:ph idx="1"/>
-          </p:nvPr>
-        </p:nvSpPr>
-        <p:spPr/>
-        <p:txBody>
-          <a:bodyPr/>
-          <a:lstStyle/>
-          <a:p>
-            <a:r>
-              <a:rPr lang="en-US" dirty="0"/>
-              <a:t>Creating a </a:t>
-            </a:r>
-            <a:r>
-              <a:rPr lang="en-US" dirty="0" err="1"/>
-              <a:t>Git</a:t>
-            </a:r>
-            <a:r>
-              <a:rPr lang="en-US" dirty="0"/>
-              <a:t> Repository</a:t>
-            </a:r>
-          </a:p>
-          <a:p>
-            <a:r>
-              <a:rPr lang="en-US" dirty="0"/>
-              <a:t>Building a Project folder structure</a:t>
-            </a:r>
-          </a:p>
-          <a:p>
-            <a:r>
-              <a:rPr lang="en-US" dirty="0"/>
-              <a:t>Creating a Virtual Environment</a:t>
-            </a:r>
-          </a:p>
-          <a:p>
-            <a:r>
-              <a:rPr lang="en-US" dirty="0"/>
-              <a:t>Notebooks</a:t>
-            </a:r>
-          </a:p>
-          <a:p>
-            <a:r>
-              <a:rPr lang="en-US" dirty="0"/>
-              <a:t>Module/Script </a:t>
-            </a:r>
-            <a:r>
-              <a:rPr lang="en-US" dirty="0" smtClean="0"/>
-              <a:t>Writing</a:t>
-            </a:r>
-            <a:endParaRPr lang="sv-SE" dirty="0" smtClean="0"/>
-          </a:p>
-          <a:p>
-            <a:r>
-              <a:rPr lang="sv-SE" dirty="0" smtClean="0"/>
-              <a:t>Project directory (</a:t>
-            </a:r>
-            <a:r>
-              <a:rPr lang="sv-SE" dirty="0" err="1" smtClean="0"/>
-              <a:t>file</a:t>
-            </a:r>
-            <a:r>
-              <a:rPr lang="sv-SE" dirty="0" smtClean="0"/>
-              <a:t> </a:t>
-            </a:r>
-            <a:r>
-              <a:rPr lang="sv-SE" dirty="0" err="1" smtClean="0"/>
-              <a:t>tree</a:t>
-            </a:r>
-            <a:r>
-              <a:rPr lang="sv-SE" dirty="0" smtClean="0"/>
-              <a:t>) looks like </a:t>
-            </a:r>
-            <a:r>
-              <a:rPr lang="sv-SE" dirty="0" err="1" smtClean="0"/>
-              <a:t>this</a:t>
-            </a:r>
-            <a:r>
-              <a:rPr lang="sv-SE" dirty="0" smtClean="0"/>
-              <a:t>:</a:t>
-            </a:r>
-            <a:endParaRPr lang="en-US" dirty="0"/>
-          </a:p>
-        </p:txBody>
-      </p:sp>
-    </p:spTree>
-    <p:extLst>
-      <p:ext uri="{BB962C8B-B14F-4D97-AF65-F5344CB8AC3E}">
-        <p14:creationId xmlns:p14="http://schemas.microsoft.com/office/powerpoint/2010/main" val="1576020122"/>
-      </p:ext>
-    </p:extLst>
-  </p:cSld>
-  <p:clrMapOvr>
-    <a:masterClrMapping/>
-  </p:clrMapOvr>
-</p:sld>
-</file>
-
-<file path=ppt/slides/slide5.xml><?xml version="1.0" encoding="utf-8"?>
-<p:sld xmlns:a="http://schemas.openxmlformats.org/drawingml/2006/main" xmlns:r="http://schemas.openxmlformats.org/officeDocument/2006/relationships" xmlns:p="http://schemas.openxmlformats.org/presentationml/2006/main">
-  <p:cSld>
-    <p:spTree>
-      <p:nvGrpSpPr>
-        <p:cNvPr id="1" name=""/>
-        <p:cNvGrpSpPr/>
-        <p:nvPr/>
-      </p:nvGrpSpPr>
-      <p:grpSpPr>
-        <a:xfrm>
-          <a:off x="0" y="0"/>
-          <a:ext cx="0" cy="0"/>
-          <a:chOff x="0" y="0"/>
-          <a:chExt cx="0" cy="0"/>
-        </a:xfrm>
-      </p:grpSpPr>
-      <p:sp>
-        <p:nvSpPr>
-          <p:cNvPr id="2" name="Title 1"/>
-          <p:cNvSpPr>
-            <a:spLocks noGrp="1"/>
-          </p:cNvSpPr>
-          <p:nvPr>
-            <p:ph type="title"/>
-          </p:nvPr>
-        </p:nvSpPr>
-        <p:spPr/>
-        <p:txBody>
-          <a:bodyPr/>
-          <a:lstStyle/>
-          <a:p>
-            <a:r>
-              <a:rPr lang="sv-SE" dirty="0" smtClean="0"/>
-              <a:t>A</a:t>
-            </a:r>
-            <a:endParaRPr lang="en-US" dirty="0"/>
-          </a:p>
-        </p:txBody>
-      </p:sp>
-      <p:sp>
-        <p:nvSpPr>
           <p:cNvPr id="3" name="Content Placeholder 2"/>
           <p:cNvSpPr>
             <a:spLocks noGrp="1"/>
@@ -3796,162 +3566,14 @@
         </p:nvSpPr>
         <p:spPr>
           <a:xfrm>
-            <a:off x="838200" y="1825625"/>
-            <a:ext cx="10515600" cy="2067106"/>
+            <a:off x="785947" y="475796"/>
+            <a:ext cx="2323011" cy="1736181"/>
           </a:xfrm>
         </p:spPr>
         <p:txBody>
-          <a:bodyPr/>
-          <a:lstStyle/>
-          <a:p>
-            <a:r>
-              <a:rPr lang="en-US" dirty="0"/>
-              <a:t>How many transactions did an average customer complete in the</a:t>
-            </a:r>
-          </a:p>
-          <a:p>
-            <a:pPr marL="0" indent="0">
-              <a:buNone/>
-            </a:pPr>
-            <a:r>
-              <a:rPr lang="en-US" dirty="0"/>
-              <a:t>period? </a:t>
-            </a:r>
-            <a:r>
-              <a:rPr lang="en-US" dirty="0" smtClean="0"/>
-              <a:t> (about 235 transactions)</a:t>
-            </a:r>
-          </a:p>
-          <a:p>
-            <a:r>
-              <a:rPr lang="en-US" dirty="0" smtClean="0"/>
-              <a:t>How </a:t>
-            </a:r>
-            <a:r>
-              <a:rPr lang="en-US" dirty="0"/>
-              <a:t>much did they spend? </a:t>
-            </a:r>
-            <a:r>
-              <a:rPr lang="en-US" dirty="0" smtClean="0"/>
-              <a:t>-spent 5924.15 amount/per transaction</a:t>
-            </a:r>
-          </a:p>
-          <a:p>
-            <a:r>
-              <a:rPr lang="en-US" dirty="0" smtClean="0"/>
-              <a:t>Does </a:t>
-            </a:r>
-            <a:r>
-              <a:rPr lang="en-US" dirty="0"/>
-              <a:t>it change over time</a:t>
-            </a:r>
-            <a:r>
-              <a:rPr lang="en-US" dirty="0" smtClean="0"/>
-              <a:t>?</a:t>
-            </a:r>
-          </a:p>
-          <a:p>
-            <a:pPr marL="0" indent="0">
-              <a:buNone/>
-            </a:pPr>
-            <a:endParaRPr lang="en-US" dirty="0" smtClean="0"/>
-          </a:p>
-          <a:p>
-            <a:endParaRPr lang="en-US" dirty="0"/>
-          </a:p>
-        </p:txBody>
-      </p:sp>
-      <p:pic>
-        <p:nvPicPr>
-          <p:cNvPr id="7" name="Picture 6"/>
-          <p:cNvPicPr>
-            <a:picLocks noChangeAspect="1"/>
-          </p:cNvPicPr>
-          <p:nvPr/>
-        </p:nvPicPr>
-        <p:blipFill>
-          <a:blip r:embed="rId2"/>
-          <a:stretch>
-            <a:fillRect/>
-          </a:stretch>
-        </p:blipFill>
-        <p:spPr>
-          <a:xfrm>
-            <a:off x="2802325" y="3753393"/>
-            <a:ext cx="9043166" cy="3113340"/>
-          </a:xfrm>
-          <a:prstGeom prst="rect">
-            <a:avLst/>
-          </a:prstGeom>
-        </p:spPr>
-      </p:pic>
-    </p:spTree>
-    <p:extLst>
-      <p:ext uri="{BB962C8B-B14F-4D97-AF65-F5344CB8AC3E}">
-        <p14:creationId xmlns:p14="http://schemas.microsoft.com/office/powerpoint/2010/main" val="517968882"/>
-      </p:ext>
-    </p:extLst>
-  </p:cSld>
-  <p:clrMapOvr>
-    <a:masterClrMapping/>
-  </p:clrMapOvr>
-</p:sld>
-</file>
-
-<file path=ppt/slides/slide6.xml><?xml version="1.0" encoding="utf-8"?>
-<p:sld xmlns:a="http://schemas.openxmlformats.org/drawingml/2006/main" xmlns:r="http://schemas.openxmlformats.org/officeDocument/2006/relationships" xmlns:p="http://schemas.openxmlformats.org/presentationml/2006/main">
-  <p:cSld>
-    <p:spTree>
-      <p:nvGrpSpPr>
-        <p:cNvPr id="1" name=""/>
-        <p:cNvGrpSpPr/>
-        <p:nvPr/>
-      </p:nvGrpSpPr>
-      <p:grpSpPr>
-        <a:xfrm>
-          <a:off x="0" y="0"/>
-          <a:ext cx="0" cy="0"/>
-          <a:chOff x="0" y="0"/>
-          <a:chExt cx="0" cy="0"/>
-        </a:xfrm>
-      </p:grpSpPr>
-      <p:sp>
-        <p:nvSpPr>
-          <p:cNvPr id="2" name="Title 1"/>
-          <p:cNvSpPr>
-            <a:spLocks noGrp="1"/>
-          </p:cNvSpPr>
-          <p:nvPr>
-            <p:ph type="title"/>
-          </p:nvPr>
-        </p:nvSpPr>
-        <p:spPr/>
-        <p:txBody>
-          <a:bodyPr/>
-          <a:lstStyle/>
-          <a:p>
-            <a:endParaRPr lang="en-US" dirty="0"/>
-          </a:p>
-        </p:txBody>
-      </p:sp>
-      <p:sp>
-        <p:nvSpPr>
-          <p:cNvPr id="3" name="Content Placeholder 2"/>
-          <p:cNvSpPr>
-            <a:spLocks noGrp="1"/>
-          </p:cNvSpPr>
-          <p:nvPr>
-            <p:ph idx="1"/>
-          </p:nvPr>
-        </p:nvSpPr>
-        <p:spPr>
-          <a:xfrm>
-            <a:off x="838200" y="1825625"/>
-            <a:ext cx="10515600" cy="543106"/>
-          </a:xfrm>
-        </p:spPr>
-        <p:txBody>
-          <a:bodyPr/>
+          <a:bodyPr>
+            <a:normAutofit fontScale="92500" lnSpcReduction="10000"/>
+          </a:bodyPr>
           <a:lstStyle/>
           <a:p>
             <a:r>
@@ -3981,8 +3603,8 @@
         </p:blipFill>
         <p:spPr>
           <a:xfrm>
-            <a:off x="2838993" y="2288383"/>
-            <a:ext cx="6514014" cy="2281234"/>
+            <a:off x="3716828" y="329746"/>
+            <a:ext cx="7786776" cy="2726962"/>
           </a:xfrm>
           <a:prstGeom prst="rect">
             <a:avLst/>
@@ -3999,8 +3621,8 @@
         </p:nvSpPr>
         <p:spPr>
           <a:xfrm>
-            <a:off x="949235" y="4569617"/>
-            <a:ext cx="10515600" cy="543106"/>
+            <a:off x="949235" y="3559423"/>
+            <a:ext cx="2577736" cy="1970520"/>
           </a:xfrm>
           <a:prstGeom prst="rect">
             <a:avLst/>
@@ -4008,7 +3630,7 @@
         </p:spPr>
         <p:txBody>
           <a:bodyPr vert="horz" lIns="91440" tIns="45720" rIns="91440" bIns="45720" rtlCol="0">
-            <a:normAutofit/>
+            <a:normAutofit fontScale="85000" lnSpcReduction="10000"/>
           </a:bodyPr>
           <a:lstStyle>
             <a:lvl1pPr marL="228600" indent="-228600" algn="l" defTabSz="914400" rtl="0" eaLnBrk="1" latinLnBrk="0" hangingPunct="1">
@@ -4182,6 +3804,30 @@
           </a:p>
         </p:txBody>
       </p:sp>
+      <p:pic>
+        <p:nvPicPr>
+          <p:cNvPr id="5" name="Picture 4"/>
+          <p:cNvPicPr>
+            <a:picLocks noChangeAspect="1"/>
+          </p:cNvPicPr>
+          <p:nvPr/>
+        </p:nvPicPr>
+        <p:blipFill>
+          <a:blip r:embed="rId3"/>
+          <a:stretch>
+            <a:fillRect/>
+          </a:stretch>
+        </p:blipFill>
+        <p:spPr>
+          <a:xfrm>
+            <a:off x="4171822" y="3143794"/>
+            <a:ext cx="7331782" cy="3714206"/>
+          </a:xfrm>
+          <a:prstGeom prst="rect">
+            <a:avLst/>
+          </a:prstGeom>
+        </p:spPr>
+      </p:pic>
     </p:spTree>
     <p:extLst>
       <p:ext uri="{BB962C8B-B14F-4D97-AF65-F5344CB8AC3E}">
@@ -4195,7 +3841,7 @@
 </p:sld>
 </file>
 
-<file path=ppt/slides/slide7.xml><?xml version="1.0" encoding="utf-8"?>
+<file path=ppt/slides/slide5.xml><?xml version="1.0" encoding="utf-8"?>
 <p:sld xmlns:a="http://schemas.openxmlformats.org/drawingml/2006/main" xmlns:r="http://schemas.openxmlformats.org/officeDocument/2006/relationships" xmlns:p="http://schemas.openxmlformats.org/presentationml/2006/main">
   <p:cSld>
     <p:spTree>
@@ -4403,7 +4049,7 @@
 </p:sld>
 </file>
 
-<file path=ppt/slides/slide8.xml><?xml version="1.0" encoding="utf-8"?>
+<file path=ppt/slides/slide6.xml><?xml version="1.0" encoding="utf-8"?>
 <p:sld xmlns:a="http://schemas.openxmlformats.org/drawingml/2006/main" xmlns:r="http://schemas.openxmlformats.org/officeDocument/2006/relationships" xmlns:p="http://schemas.openxmlformats.org/presentationml/2006/main">
   <p:cSld>
     <p:spTree>
@@ -4437,8 +4083,13 @@
           <a:p>
             <a:r>
               <a:rPr lang="en-US" dirty="0"/>
-              <a:t>(C) A/B testing (optional bonus question)</a:t>
-            </a:r>
+              <a:t>(C) A/B </a:t>
+            </a:r>
+            <a:r>
+              <a:rPr lang="en-US" dirty="0" smtClean="0"/>
+              <a:t>testing</a:t>
+            </a:r>
+            <a:endParaRPr lang="en-US" dirty="0"/>
           </a:p>
         </p:txBody>
       </p:sp>
@@ -4454,11 +4105,13 @@
         </p:nvSpPr>
         <p:spPr/>
         <p:txBody>
-          <a:bodyPr/>
-          <a:lstStyle/>
-          <a:p>
-            <a:r>
-              <a:rPr lang="en-US" dirty="0"/>
+          <a:bodyPr>
+            <a:normAutofit fontScale="77500" lnSpcReduction="20000"/>
+          </a:bodyPr>
+          <a:lstStyle/>
+          <a:p>
+            <a:r>
+              <a:rPr lang="en-US" dirty="0" smtClean="0"/>
               <a:t>How would you select which customers are in the email group or </a:t>
             </a:r>
             <a:r>
@@ -4480,13 +4133,21 @@
             </a:r>
             <a:r>
               <a:rPr lang="en-US" dirty="0" smtClean="0"/>
-              <a:t>?- randomly</a:t>
-            </a:r>
-          </a:p>
-          <a:p>
+              <a:t>?- </a:t>
+            </a:r>
+            <a:r>
+              <a:rPr lang="en-US" dirty="0" smtClean="0"/>
+              <a:t>Randomize way</a:t>
+            </a:r>
+          </a:p>
+          <a:p>
+            <a:r>
+              <a:rPr lang="en-US" dirty="0" smtClean="0"/>
+              <a:t>How </a:t>
+            </a:r>
             <a:r>
               <a:rPr lang="en-US" dirty="0"/>
-              <a:t>How would you conclude which channel is optimal at the end of </a:t>
+              <a:t>would you conclude which channel is optimal at the end of </a:t>
             </a:r>
             <a:r>
               <a:rPr lang="en-US" dirty="0" smtClean="0"/>
@@ -4494,17 +4155,392 @@
             </a:r>
           </a:p>
           <a:p>
+            <a:pPr marL="0" indent="0">
+              <a:buNone/>
+            </a:pPr>
             <a:r>
               <a:rPr lang="en-US" dirty="0" smtClean="0"/>
               <a:t>test</a:t>
             </a:r>
             <a:r>
               <a:rPr lang="en-US" dirty="0"/>
-              <a:t>? What is the minimum sample size?</a:t>
+              <a:t>? What is the minimum sample size</a:t>
+            </a:r>
+            <a:r>
+              <a:rPr lang="en-US" dirty="0" smtClean="0"/>
+              <a:t>?</a:t>
+            </a:r>
+          </a:p>
+          <a:p>
+            <a:pPr marL="0" indent="0">
+              <a:buNone/>
+            </a:pPr>
+            <a:r>
+              <a:rPr lang="sv-SE" dirty="0" smtClean="0"/>
+              <a:t>	z-test(proportion test): If p-</a:t>
+            </a:r>
+            <a:r>
+              <a:rPr lang="sv-SE" dirty="0" err="1" smtClean="0"/>
+              <a:t>value</a:t>
+            </a:r>
+            <a:r>
+              <a:rPr lang="sv-SE" dirty="0" smtClean="0"/>
+              <a:t> &lt; 0.05 (at 5% </a:t>
+            </a:r>
+            <a:r>
+              <a:rPr lang="sv-SE" dirty="0" err="1" smtClean="0"/>
+              <a:t>level</a:t>
+            </a:r>
+            <a:r>
+              <a:rPr lang="sv-SE" dirty="0" smtClean="0"/>
+              <a:t> </a:t>
+            </a:r>
+            <a:r>
+              <a:rPr lang="sv-SE" dirty="0" err="1" smtClean="0"/>
+              <a:t>of</a:t>
+            </a:r>
+            <a:r>
+              <a:rPr lang="sv-SE" dirty="0" smtClean="0"/>
+              <a:t> </a:t>
+            </a:r>
+            <a:r>
+              <a:rPr lang="sv-SE" dirty="0" err="1" smtClean="0"/>
+              <a:t>significance</a:t>
+            </a:r>
+            <a:r>
+              <a:rPr lang="sv-SE" dirty="0" smtClean="0"/>
+              <a:t>), </a:t>
+            </a:r>
+            <a:r>
+              <a:rPr lang="sv-SE" dirty="0" err="1" smtClean="0"/>
+              <a:t>then</a:t>
+            </a:r>
+            <a:r>
+              <a:rPr lang="sv-SE" dirty="0" smtClean="0"/>
+              <a:t> </a:t>
+            </a:r>
+            <a:r>
+              <a:rPr lang="sv-SE" dirty="0" err="1" smtClean="0"/>
+              <a:t>we</a:t>
+            </a:r>
+            <a:r>
+              <a:rPr lang="sv-SE" dirty="0" smtClean="0"/>
+              <a:t> </a:t>
+            </a:r>
+            <a:r>
+              <a:rPr lang="sv-SE" dirty="0" err="1" smtClean="0"/>
+              <a:t>can</a:t>
+            </a:r>
+            <a:r>
+              <a:rPr lang="sv-SE" dirty="0" smtClean="0"/>
+              <a:t> </a:t>
+            </a:r>
+            <a:r>
+              <a:rPr lang="sv-SE" dirty="0" err="1" smtClean="0"/>
+              <a:t>conclude</a:t>
+            </a:r>
+            <a:r>
+              <a:rPr lang="sv-SE" dirty="0" smtClean="0"/>
+              <a:t> </a:t>
+            </a:r>
+            <a:r>
+              <a:rPr lang="sv-SE" dirty="0" err="1" smtClean="0"/>
+              <a:t>that</a:t>
+            </a:r>
+            <a:r>
+              <a:rPr lang="sv-SE" dirty="0" smtClean="0"/>
+              <a:t> the </a:t>
+            </a:r>
+            <a:r>
+              <a:rPr lang="sv-SE" dirty="0" err="1" smtClean="0"/>
+              <a:t>two</a:t>
+            </a:r>
+            <a:r>
+              <a:rPr lang="sv-SE" dirty="0" smtClean="0"/>
+              <a:t> </a:t>
+            </a:r>
+            <a:r>
+              <a:rPr lang="sv-SE" dirty="0" err="1" smtClean="0"/>
+              <a:t>groups</a:t>
+            </a:r>
+            <a:r>
+              <a:rPr lang="sv-SE" dirty="0" smtClean="0"/>
+              <a:t> </a:t>
+            </a:r>
+            <a:r>
+              <a:rPr lang="sv-SE" dirty="0" err="1" smtClean="0"/>
+              <a:t>are</a:t>
+            </a:r>
+            <a:r>
+              <a:rPr lang="sv-SE" dirty="0" smtClean="0"/>
+              <a:t> </a:t>
+            </a:r>
+            <a:r>
+              <a:rPr lang="sv-SE" dirty="0" err="1" smtClean="0"/>
+              <a:t>significantly</a:t>
+            </a:r>
+            <a:r>
+              <a:rPr lang="sv-SE" dirty="0" smtClean="0"/>
+              <a:t> </a:t>
+            </a:r>
+            <a:r>
+              <a:rPr lang="sv-SE" dirty="0" err="1" smtClean="0"/>
+              <a:t>differrent</a:t>
+            </a:r>
+            <a:r>
+              <a:rPr lang="sv-SE" dirty="0" smtClean="0"/>
+              <a:t>. </a:t>
+            </a:r>
+            <a:r>
+              <a:rPr lang="sv-SE" dirty="0" err="1" smtClean="0"/>
+              <a:t>Then</a:t>
+            </a:r>
+            <a:r>
+              <a:rPr lang="sv-SE" dirty="0" smtClean="0"/>
+              <a:t>, </a:t>
+            </a:r>
+            <a:r>
+              <a:rPr lang="sv-SE" dirty="0" err="1" smtClean="0"/>
+              <a:t>we</a:t>
+            </a:r>
+            <a:r>
+              <a:rPr lang="sv-SE" dirty="0" smtClean="0"/>
+              <a:t> </a:t>
+            </a:r>
+            <a:r>
+              <a:rPr lang="sv-SE" dirty="0" err="1" smtClean="0"/>
+              <a:t>then</a:t>
+            </a:r>
+            <a:r>
+              <a:rPr lang="sv-SE" dirty="0" smtClean="0"/>
+              <a:t> </a:t>
+            </a:r>
+            <a:r>
+              <a:rPr lang="sv-SE" dirty="0" err="1" smtClean="0"/>
+              <a:t>can</a:t>
+            </a:r>
+            <a:r>
+              <a:rPr lang="sv-SE" dirty="0" smtClean="0"/>
+              <a:t> </a:t>
+            </a:r>
+            <a:r>
+              <a:rPr lang="sv-SE" dirty="0" err="1" smtClean="0"/>
+              <a:t>perform</a:t>
+            </a:r>
+            <a:r>
+              <a:rPr lang="sv-SE" dirty="0" smtClean="0"/>
+              <a:t> a </a:t>
+            </a:r>
+            <a:r>
+              <a:rPr lang="sv-SE" dirty="0" err="1" smtClean="0"/>
+              <a:t>one</a:t>
+            </a:r>
+            <a:r>
+              <a:rPr lang="sv-SE" dirty="0" smtClean="0"/>
+              <a:t> </a:t>
+            </a:r>
+            <a:r>
+              <a:rPr lang="sv-SE" dirty="0" err="1" smtClean="0"/>
+              <a:t>sided</a:t>
+            </a:r>
+            <a:r>
+              <a:rPr lang="sv-SE" dirty="0" smtClean="0"/>
+              <a:t> test to </a:t>
+            </a:r>
+            <a:r>
+              <a:rPr lang="sv-SE" dirty="0" err="1" smtClean="0"/>
+              <a:t>see</a:t>
+            </a:r>
+            <a:r>
+              <a:rPr lang="sv-SE" dirty="0" smtClean="0"/>
+              <a:t> </a:t>
+            </a:r>
+            <a:r>
+              <a:rPr lang="sv-SE" dirty="0" err="1" smtClean="0"/>
+              <a:t>which</a:t>
+            </a:r>
+            <a:r>
+              <a:rPr lang="sv-SE" dirty="0" smtClean="0"/>
+              <a:t> </a:t>
+            </a:r>
+            <a:r>
+              <a:rPr lang="sv-SE" dirty="0" err="1" smtClean="0"/>
+              <a:t>group</a:t>
+            </a:r>
+            <a:r>
+              <a:rPr lang="sv-SE" dirty="0" smtClean="0"/>
+              <a:t> is </a:t>
+            </a:r>
+            <a:r>
+              <a:rPr lang="sv-SE" dirty="0" err="1" smtClean="0"/>
+              <a:t>overperfoming</a:t>
+            </a:r>
+            <a:r>
+              <a:rPr lang="sv-SE" dirty="0" smtClean="0"/>
+              <a:t> </a:t>
+            </a:r>
+            <a:r>
+              <a:rPr lang="sv-SE" dirty="0" err="1" smtClean="0"/>
+              <a:t>other</a:t>
+            </a:r>
+            <a:r>
+              <a:rPr lang="sv-SE" dirty="0" smtClean="0"/>
+              <a:t>.</a:t>
+            </a:r>
+          </a:p>
+          <a:p>
+            <a:pPr marL="0" indent="0">
+              <a:buNone/>
+            </a:pPr>
+            <a:r>
+              <a:rPr lang="sv-SE" i="1" dirty="0" err="1" smtClean="0"/>
+              <a:t>Sample</a:t>
+            </a:r>
+            <a:r>
+              <a:rPr lang="sv-SE" i="1" dirty="0" smtClean="0"/>
+              <a:t> </a:t>
+            </a:r>
+            <a:r>
+              <a:rPr lang="sv-SE" i="1" dirty="0" err="1" smtClean="0"/>
+              <a:t>size</a:t>
+            </a:r>
+            <a:r>
+              <a:rPr lang="sv-SE" i="1" dirty="0" smtClean="0"/>
+              <a:t>:</a:t>
+            </a:r>
+          </a:p>
+          <a:p>
+            <a:pPr marL="0" indent="0">
+              <a:buNone/>
+            </a:pPr>
+            <a:r>
+              <a:rPr lang="en-US" dirty="0" smtClean="0"/>
+              <a:t>	n </a:t>
+            </a:r>
+            <a:r>
+              <a:rPr lang="en-US" dirty="0"/>
+              <a:t>= (Z</a:t>
+            </a:r>
+            <a:r>
+              <a:rPr lang="el-GR" dirty="0"/>
+              <a:t>α/2+</a:t>
+            </a:r>
+            <a:r>
+              <a:rPr lang="en-US" dirty="0"/>
+              <a:t>Z</a:t>
+            </a:r>
+            <a:r>
+              <a:rPr lang="el-GR" dirty="0"/>
+              <a:t>β</a:t>
+            </a:r>
+            <a:r>
+              <a:rPr lang="el-GR" dirty="0" smtClean="0"/>
+              <a:t>)</a:t>
+            </a:r>
+            <a:r>
+              <a:rPr lang="sv-SE" dirty="0" smtClean="0"/>
+              <a:t>^</a:t>
+            </a:r>
+            <a:r>
+              <a:rPr lang="el-GR" dirty="0" smtClean="0"/>
+              <a:t>2 </a:t>
+            </a:r>
+            <a:r>
+              <a:rPr lang="el-GR" dirty="0"/>
+              <a:t>* (</a:t>
+            </a:r>
+            <a:r>
+              <a:rPr lang="en-US" dirty="0"/>
+              <a:t>p1(1-p1)+p2(1-p2)) / (p1-p2</a:t>
+            </a:r>
+            <a:r>
+              <a:rPr lang="en-US" dirty="0" smtClean="0"/>
+              <a:t>)^2,</a:t>
+            </a:r>
+          </a:p>
+          <a:p>
+            <a:pPr marL="0" indent="0">
+              <a:buNone/>
+            </a:pPr>
+            <a:r>
+              <a:rPr lang="en-US" dirty="0" smtClean="0"/>
+              <a:t>Where, </a:t>
+            </a:r>
+            <a:r>
+              <a:rPr lang="en-US" dirty="0"/>
+              <a:t>Zα/2 is the critical value of the Normal </a:t>
+            </a:r>
+            <a:r>
+              <a:rPr lang="en-US" dirty="0" smtClean="0"/>
+              <a:t>distribution(</a:t>
+            </a:r>
+            <a:r>
+              <a:rPr lang="en-US" dirty="0"/>
+              <a:t> </a:t>
+            </a:r>
+            <a:r>
+              <a:rPr lang="en-US" dirty="0"/>
+              <a:t> Zα/2</a:t>
+            </a:r>
+            <a:r>
+              <a:rPr lang="en-US" dirty="0" smtClean="0"/>
+              <a:t> </a:t>
+            </a:r>
+            <a:r>
+              <a:rPr lang="en-US" dirty="0"/>
+              <a:t>= 1.96 for 95%</a:t>
+            </a:r>
+            <a:r>
+              <a:rPr lang="en-US" dirty="0" smtClean="0"/>
+              <a:t>), </a:t>
+            </a:r>
+          </a:p>
+          <a:p>
+            <a:pPr marL="0" indent="0">
+              <a:buNone/>
+            </a:pPr>
+            <a:r>
+              <a:rPr lang="en-US" dirty="0" smtClean="0"/>
+              <a:t>Zβ </a:t>
+            </a:r>
+            <a:r>
+              <a:rPr lang="en-US" dirty="0"/>
+              <a:t>is the critical value of the Normal distribution at β (e.g. for a power of 80%, β is 0.2 and the critical value is 0.84) and </a:t>
             </a:r>
             <a:endParaRPr lang="en-US" dirty="0" smtClean="0"/>
           </a:p>
           <a:p>
+            <a:pPr marL="0" indent="0">
+              <a:buNone/>
+            </a:pPr>
+            <a:r>
+              <a:rPr lang="en-US" dirty="0" smtClean="0"/>
+              <a:t>p1 </a:t>
+            </a:r>
+            <a:r>
+              <a:rPr lang="en-US" dirty="0"/>
+              <a:t>and p2 are the expected sample proportions of the two groups</a:t>
+            </a:r>
+            <a:r>
+              <a:rPr lang="en-US" dirty="0" smtClean="0"/>
+              <a:t>. (p</a:t>
+            </a:r>
+            <a:r>
+              <a:rPr lang="en-US" baseline="-25000" dirty="0" smtClean="0"/>
+              <a:t>1</a:t>
+            </a:r>
+            <a:r>
+              <a:rPr lang="en-US" dirty="0" smtClean="0"/>
+              <a:t>=p</a:t>
+            </a:r>
+            <a:r>
+              <a:rPr lang="en-US" baseline="-25000" dirty="0" smtClean="0"/>
+              <a:t>2</a:t>
+            </a:r>
+            <a:r>
+              <a:rPr lang="en-US" dirty="0" smtClean="0"/>
+              <a:t>=0.5)</a:t>
+            </a:r>
             <a:endParaRPr lang="en-US" dirty="0"/>
           </a:p>
         </p:txBody>

--- a/seb_project/results/presentation.pptx
+++ b/seb_project/results/presentation.pptx
@@ -3273,8 +3273,8 @@
         </p:blipFill>
         <p:spPr>
           <a:xfrm>
-            <a:off x="7369504" y="1775785"/>
-            <a:ext cx="2033700" cy="4805894"/>
+            <a:off x="7219407" y="1788069"/>
+            <a:ext cx="1978520" cy="4675496"/>
           </a:xfrm>
           <a:prstGeom prst="rect">
             <a:avLst/>
@@ -3419,7 +3419,6 @@
               <a:rPr lang="en-US" dirty="0"/>
               <a:t>(A) Data exploration:</a:t>
             </a:r>
-            <a:endParaRPr lang="en-US" dirty="0"/>
           </a:p>
         </p:txBody>
       </p:sp>
@@ -4112,11 +4111,7 @@
           <a:p>
             <a:r>
               <a:rPr lang="en-US" dirty="0" smtClean="0"/>
-              <a:t>How would you select which customers are in the email group or </a:t>
-            </a:r>
-            <a:r>
-              <a:rPr lang="en-US" dirty="0" smtClean="0"/>
-              <a:t>in</a:t>
+              <a:t>How would you select which customers are in the email group or in</a:t>
             </a:r>
           </a:p>
           <a:p>
@@ -4133,11 +4128,7 @@
             </a:r>
             <a:r>
               <a:rPr lang="en-US" dirty="0" smtClean="0"/>
-              <a:t>?- </a:t>
-            </a:r>
-            <a:r>
-              <a:rPr lang="en-US" dirty="0" smtClean="0"/>
-              <a:t>Randomize way</a:t>
+              <a:t>?- Randomize way</a:t>
             </a:r>
           </a:p>
           <a:p>
@@ -4476,11 +4467,7 @@
             </a:r>
             <a:r>
               <a:rPr lang="en-US" dirty="0"/>
-              <a:t> </a:t>
-            </a:r>
-            <a:r>
-              <a:rPr lang="en-US" dirty="0"/>
-              <a:t> Zα/2</a:t>
+              <a:t>  Zα/2</a:t>
             </a:r>
             <a:r>
               <a:rPr lang="en-US" dirty="0" smtClean="0"/>
